--- a/MPTCP.pptx
+++ b/MPTCP.pptx
@@ -210,7 +210,7 @@
           <a:p>
             <a:fld id="{F304312E-3A61-440A-8FBD-5D1DAFF49D12}" type="datetimeFigureOut">
               <a:rPr lang="de-DE" smtClean="0"/>
-              <a:t>15.03.2021</a:t>
+              <a:t>16.03.2021</a:t>
             </a:fld>
             <a:endParaRPr lang="de-DE"/>
           </a:p>
@@ -619,7 +619,7 @@
           <a:p>
             <a:fld id="{15F75365-4211-4A36-8A77-F3FE211358D8}" type="datetimeFigureOut">
               <a:rPr lang="de-DE" smtClean="0"/>
-              <a:t>15.03.2021</a:t>
+              <a:t>16.03.2021</a:t>
             </a:fld>
             <a:endParaRPr lang="de-DE"/>
           </a:p>
@@ -789,7 +789,7 @@
           <a:p>
             <a:fld id="{15F75365-4211-4A36-8A77-F3FE211358D8}" type="datetimeFigureOut">
               <a:rPr lang="de-DE" smtClean="0"/>
-              <a:t>15.03.2021</a:t>
+              <a:t>16.03.2021</a:t>
             </a:fld>
             <a:endParaRPr lang="de-DE"/>
           </a:p>
@@ -969,7 +969,7 @@
           <a:p>
             <a:fld id="{15F75365-4211-4A36-8A77-F3FE211358D8}" type="datetimeFigureOut">
               <a:rPr lang="de-DE" smtClean="0"/>
-              <a:t>15.03.2021</a:t>
+              <a:t>16.03.2021</a:t>
             </a:fld>
             <a:endParaRPr lang="de-DE"/>
           </a:p>
@@ -1172,7 +1172,7 @@
           <a:p>
             <a:fld id="{15F75365-4211-4A36-8A77-F3FE211358D8}" type="datetimeFigureOut">
               <a:rPr lang="de-DE" smtClean="0"/>
-              <a:t>15.03.2021</a:t>
+              <a:t>16.03.2021</a:t>
             </a:fld>
             <a:endParaRPr lang="de-DE"/>
           </a:p>
@@ -1342,7 +1342,7 @@
           <a:p>
             <a:fld id="{15F75365-4211-4A36-8A77-F3FE211358D8}" type="datetimeFigureOut">
               <a:rPr lang="de-DE" smtClean="0"/>
-              <a:t>15.03.2021</a:t>
+              <a:t>16.03.2021</a:t>
             </a:fld>
             <a:endParaRPr lang="de-DE"/>
           </a:p>
@@ -1593,7 +1593,7 @@
           <a:p>
             <a:fld id="{15F75365-4211-4A36-8A77-F3FE211358D8}" type="datetimeFigureOut">
               <a:rPr lang="de-DE" smtClean="0"/>
-              <a:t>15.03.2021</a:t>
+              <a:t>16.03.2021</a:t>
             </a:fld>
             <a:endParaRPr lang="de-DE"/>
           </a:p>
@@ -1825,7 +1825,7 @@
           <a:p>
             <a:fld id="{15F75365-4211-4A36-8A77-F3FE211358D8}" type="datetimeFigureOut">
               <a:rPr lang="de-DE" smtClean="0"/>
-              <a:t>15.03.2021</a:t>
+              <a:t>16.03.2021</a:t>
             </a:fld>
             <a:endParaRPr lang="de-DE"/>
           </a:p>
@@ -2172,7 +2172,7 @@
           <a:p>
             <a:fld id="{15F75365-4211-4A36-8A77-F3FE211358D8}" type="datetimeFigureOut">
               <a:rPr lang="de-DE" smtClean="0"/>
-              <a:t>15.03.2021</a:t>
+              <a:t>16.03.2021</a:t>
             </a:fld>
             <a:endParaRPr lang="de-DE"/>
           </a:p>
@@ -2290,7 +2290,7 @@
           <a:p>
             <a:fld id="{15F75365-4211-4A36-8A77-F3FE211358D8}" type="datetimeFigureOut">
               <a:rPr lang="de-DE" smtClean="0"/>
-              <a:t>15.03.2021</a:t>
+              <a:t>16.03.2021</a:t>
             </a:fld>
             <a:endParaRPr lang="de-DE"/>
           </a:p>
@@ -2408,7 +2408,7 @@
           <a:p>
             <a:fld id="{15F75365-4211-4A36-8A77-F3FE211358D8}" type="datetimeFigureOut">
               <a:rPr lang="de-DE" smtClean="0"/>
-              <a:t>15.03.2021</a:t>
+              <a:t>16.03.2021</a:t>
             </a:fld>
             <a:endParaRPr lang="de-DE"/>
           </a:p>
@@ -2692,7 +2692,7 @@
           <a:p>
             <a:fld id="{15F75365-4211-4A36-8A77-F3FE211358D8}" type="datetimeFigureOut">
               <a:rPr lang="de-DE" smtClean="0"/>
-              <a:t>15.03.2021</a:t>
+              <a:t>16.03.2021</a:t>
             </a:fld>
             <a:endParaRPr lang="de-DE"/>
           </a:p>
@@ -2862,7 +2862,7 @@
           <a:p>
             <a:fld id="{15F75365-4211-4A36-8A77-F3FE211358D8}" type="datetimeFigureOut">
               <a:rPr lang="de-DE" smtClean="0"/>
-              <a:t>15.03.2021</a:t>
+              <a:t>16.03.2021</a:t>
             </a:fld>
             <a:endParaRPr lang="de-DE"/>
           </a:p>
@@ -3126,7 +3126,7 @@
           <a:p>
             <a:fld id="{15F75365-4211-4A36-8A77-F3FE211358D8}" type="datetimeFigureOut">
               <a:rPr lang="de-DE" smtClean="0"/>
-              <a:t>15.03.2021</a:t>
+              <a:t>16.03.2021</a:t>
             </a:fld>
             <a:endParaRPr lang="de-DE"/>
           </a:p>
@@ -3296,7 +3296,7 @@
           <a:p>
             <a:fld id="{15F75365-4211-4A36-8A77-F3FE211358D8}" type="datetimeFigureOut">
               <a:rPr lang="de-DE" smtClean="0"/>
-              <a:t>15.03.2021</a:t>
+              <a:t>16.03.2021</a:t>
             </a:fld>
             <a:endParaRPr lang="de-DE"/>
           </a:p>
@@ -3476,7 +3476,7 @@
           <a:p>
             <a:fld id="{15F75365-4211-4A36-8A77-F3FE211358D8}" type="datetimeFigureOut">
               <a:rPr lang="de-DE" smtClean="0"/>
-              <a:t>15.03.2021</a:t>
+              <a:t>16.03.2021</a:t>
             </a:fld>
             <a:endParaRPr lang="de-DE"/>
           </a:p>
@@ -3728,7 +3728,7 @@
           <a:p>
             <a:fld id="{15F75365-4211-4A36-8A77-F3FE211358D8}" type="datetimeFigureOut">
               <a:rPr lang="de-DE" smtClean="0"/>
-              <a:t>15.03.2021</a:t>
+              <a:t>16.03.2021</a:t>
             </a:fld>
             <a:endParaRPr lang="de-DE"/>
           </a:p>
@@ -4073,7 +4073,7 @@
           <a:p>
             <a:fld id="{15F75365-4211-4A36-8A77-F3FE211358D8}" type="datetimeFigureOut">
               <a:rPr lang="de-DE" smtClean="0"/>
-              <a:t>15.03.2021</a:t>
+              <a:t>16.03.2021</a:t>
             </a:fld>
             <a:endParaRPr lang="de-DE"/>
           </a:p>
@@ -4323,7 +4323,7 @@
           <a:p>
             <a:fld id="{15F75365-4211-4A36-8A77-F3FE211358D8}" type="datetimeFigureOut">
               <a:rPr lang="de-DE" smtClean="0"/>
-              <a:t>15.03.2021</a:t>
+              <a:t>16.03.2021</a:t>
             </a:fld>
             <a:endParaRPr lang="de-DE"/>
           </a:p>
@@ -4559,7 +4559,7 @@
           <a:p>
             <a:fld id="{15F75365-4211-4A36-8A77-F3FE211358D8}" type="datetimeFigureOut">
               <a:rPr lang="de-DE" smtClean="0"/>
-              <a:t>15.03.2021</a:t>
+              <a:t>16.03.2021</a:t>
             </a:fld>
             <a:endParaRPr lang="de-DE"/>
           </a:p>
@@ -4941,7 +4941,7 @@
           <a:p>
             <a:fld id="{15F75365-4211-4A36-8A77-F3FE211358D8}" type="datetimeFigureOut">
               <a:rPr lang="de-DE" smtClean="0"/>
-              <a:t>15.03.2021</a:t>
+              <a:t>16.03.2021</a:t>
             </a:fld>
             <a:endParaRPr lang="de-DE"/>
           </a:p>
@@ -5059,7 +5059,7 @@
           <a:p>
             <a:fld id="{15F75365-4211-4A36-8A77-F3FE211358D8}" type="datetimeFigureOut">
               <a:rPr lang="de-DE" smtClean="0"/>
-              <a:t>15.03.2021</a:t>
+              <a:t>16.03.2021</a:t>
             </a:fld>
             <a:endParaRPr lang="de-DE"/>
           </a:p>
@@ -5154,7 +5154,7 @@
           <a:p>
             <a:fld id="{15F75365-4211-4A36-8A77-F3FE211358D8}" type="datetimeFigureOut">
               <a:rPr lang="de-DE" smtClean="0"/>
-              <a:t>15.03.2021</a:t>
+              <a:t>16.03.2021</a:t>
             </a:fld>
             <a:endParaRPr lang="de-DE"/>
           </a:p>
@@ -5405,7 +5405,7 @@
           <a:p>
             <a:fld id="{15F75365-4211-4A36-8A77-F3FE211358D8}" type="datetimeFigureOut">
               <a:rPr lang="de-DE" smtClean="0"/>
-              <a:t>15.03.2021</a:t>
+              <a:t>16.03.2021</a:t>
             </a:fld>
             <a:endParaRPr lang="de-DE"/>
           </a:p>
@@ -5660,7 +5660,7 @@
           <a:p>
             <a:fld id="{15F75365-4211-4A36-8A77-F3FE211358D8}" type="datetimeFigureOut">
               <a:rPr lang="de-DE" smtClean="0"/>
-              <a:t>15.03.2021</a:t>
+              <a:t>16.03.2021</a:t>
             </a:fld>
             <a:endParaRPr lang="de-DE"/>
           </a:p>
@@ -5943,7 +5943,7 @@
           <a:p>
             <a:fld id="{15F75365-4211-4A36-8A77-F3FE211358D8}" type="datetimeFigureOut">
               <a:rPr lang="de-DE" smtClean="0"/>
-              <a:t>15.03.2021</a:t>
+              <a:t>16.03.2021</a:t>
             </a:fld>
             <a:endParaRPr lang="de-DE"/>
           </a:p>
@@ -6204,7 +6204,7 @@
           <a:p>
             <a:fld id="{15F75365-4211-4A36-8A77-F3FE211358D8}" type="datetimeFigureOut">
               <a:rPr lang="de-DE" smtClean="0"/>
-              <a:t>15.03.2021</a:t>
+              <a:t>16.03.2021</a:t>
             </a:fld>
             <a:endParaRPr lang="de-DE"/>
           </a:p>
@@ -6454,7 +6454,7 @@
           <a:p>
             <a:fld id="{15F75365-4211-4A36-8A77-F3FE211358D8}" type="datetimeFigureOut">
               <a:rPr lang="de-DE" smtClean="0"/>
-              <a:t>15.03.2021</a:t>
+              <a:t>16.03.2021</a:t>
             </a:fld>
             <a:endParaRPr lang="de-DE"/>
           </a:p>
@@ -6762,7 +6762,7 @@
           <a:p>
             <a:fld id="{15F75365-4211-4A36-8A77-F3FE211358D8}" type="datetimeFigureOut">
               <a:rPr lang="de-DE" smtClean="0"/>
-              <a:t>15.03.2021</a:t>
+              <a:t>16.03.2021</a:t>
             </a:fld>
             <a:endParaRPr lang="de-DE"/>
           </a:p>
@@ -7080,7 +7080,7 @@
           <a:p>
             <a:fld id="{15F75365-4211-4A36-8A77-F3FE211358D8}" type="datetimeFigureOut">
               <a:rPr lang="de-DE" smtClean="0"/>
-              <a:t>15.03.2021</a:t>
+              <a:t>16.03.2021</a:t>
             </a:fld>
             <a:endParaRPr lang="de-DE"/>
           </a:p>
@@ -7382,7 +7382,7 @@
           <a:p>
             <a:fld id="{15F75365-4211-4A36-8A77-F3FE211358D8}" type="datetimeFigureOut">
               <a:rPr lang="de-DE" smtClean="0"/>
-              <a:t>15.03.2021</a:t>
+              <a:t>16.03.2021</a:t>
             </a:fld>
             <a:endParaRPr lang="de-DE"/>
           </a:p>
@@ -7749,7 +7749,7 @@
           <a:p>
             <a:fld id="{15F75365-4211-4A36-8A77-F3FE211358D8}" type="datetimeFigureOut">
               <a:rPr lang="de-DE" smtClean="0"/>
-              <a:t>15.03.2021</a:t>
+              <a:t>16.03.2021</a:t>
             </a:fld>
             <a:endParaRPr lang="de-DE"/>
           </a:p>
@@ -7923,7 +7923,7 @@
           <a:p>
             <a:fld id="{15F75365-4211-4A36-8A77-F3FE211358D8}" type="datetimeFigureOut">
               <a:rPr lang="de-DE" smtClean="0"/>
-              <a:t>15.03.2021</a:t>
+              <a:t>16.03.2021</a:t>
             </a:fld>
             <a:endParaRPr lang="de-DE"/>
           </a:p>
@@ -8103,7 +8103,7 @@
           <a:p>
             <a:fld id="{15F75365-4211-4A36-8A77-F3FE211358D8}" type="datetimeFigureOut">
               <a:rPr lang="de-DE" smtClean="0"/>
-              <a:t>15.03.2021</a:t>
+              <a:t>16.03.2021</a:t>
             </a:fld>
             <a:endParaRPr lang="de-DE"/>
           </a:p>
@@ -8335,7 +8335,7 @@
           <a:p>
             <a:fld id="{15F75365-4211-4A36-8A77-F3FE211358D8}" type="datetimeFigureOut">
               <a:rPr lang="de-DE" smtClean="0"/>
-              <a:t>15.03.2021</a:t>
+              <a:t>16.03.2021</a:t>
             </a:fld>
             <a:endParaRPr lang="de-DE"/>
           </a:p>
@@ -8682,7 +8682,7 @@
           <a:p>
             <a:fld id="{15F75365-4211-4A36-8A77-F3FE211358D8}" type="datetimeFigureOut">
               <a:rPr lang="de-DE" smtClean="0"/>
-              <a:t>15.03.2021</a:t>
+              <a:t>16.03.2021</a:t>
             </a:fld>
             <a:endParaRPr lang="de-DE"/>
           </a:p>
@@ -8800,7 +8800,7 @@
           <a:p>
             <a:fld id="{15F75365-4211-4A36-8A77-F3FE211358D8}" type="datetimeFigureOut">
               <a:rPr lang="de-DE" smtClean="0"/>
-              <a:t>15.03.2021</a:t>
+              <a:t>16.03.2021</a:t>
             </a:fld>
             <a:endParaRPr lang="de-DE"/>
           </a:p>
@@ -8918,7 +8918,7 @@
           <a:p>
             <a:fld id="{15F75365-4211-4A36-8A77-F3FE211358D8}" type="datetimeFigureOut">
               <a:rPr lang="de-DE" smtClean="0"/>
-              <a:t>15.03.2021</a:t>
+              <a:t>16.03.2021</a:t>
             </a:fld>
             <a:endParaRPr lang="de-DE"/>
           </a:p>
@@ -9202,7 +9202,7 @@
           <a:p>
             <a:fld id="{15F75365-4211-4A36-8A77-F3FE211358D8}" type="datetimeFigureOut">
               <a:rPr lang="de-DE" smtClean="0"/>
-              <a:t>15.03.2021</a:t>
+              <a:t>16.03.2021</a:t>
             </a:fld>
             <a:endParaRPr lang="de-DE"/>
           </a:p>
@@ -9466,7 +9466,7 @@
           <a:p>
             <a:fld id="{15F75365-4211-4A36-8A77-F3FE211358D8}" type="datetimeFigureOut">
               <a:rPr lang="de-DE" smtClean="0"/>
-              <a:t>15.03.2021</a:t>
+              <a:t>16.03.2021</a:t>
             </a:fld>
             <a:endParaRPr lang="de-DE"/>
           </a:p>
@@ -9701,7 +9701,7 @@
           <a:p>
             <a:fld id="{15F75365-4211-4A36-8A77-F3FE211358D8}" type="datetimeFigureOut">
               <a:rPr lang="de-DE" smtClean="0"/>
-              <a:t>15.03.2021</a:t>
+              <a:t>16.03.2021</a:t>
             </a:fld>
             <a:endParaRPr lang="de-DE"/>
           </a:p>
@@ -10252,7 +10252,7 @@
           <a:p>
             <a:fld id="{15F75365-4211-4A36-8A77-F3FE211358D8}" type="datetimeFigureOut">
               <a:rPr lang="de-DE" smtClean="0"/>
-              <a:t>15.03.2021</a:t>
+              <a:t>16.03.2021</a:t>
             </a:fld>
             <a:endParaRPr lang="de-DE"/>
           </a:p>
@@ -10995,7 +10995,7 @@
           <a:p>
             <a:fld id="{15F75365-4211-4A36-8A77-F3FE211358D8}" type="datetimeFigureOut">
               <a:rPr lang="de-DE" smtClean="0"/>
-              <a:t>15.03.2021</a:t>
+              <a:t>16.03.2021</a:t>
             </a:fld>
             <a:endParaRPr lang="de-DE"/>
           </a:p>
@@ -11619,36 +11619,12 @@
           <a:lstStyle/>
           <a:p>
             <a:r>
-              <a:rPr lang="de-DE" dirty="0" err="1">
-                <a:ln w="9525" cmpd="sng">
-                  <a:noFill/>
-                </a:ln>
-              </a:rPr>
-              <a:t>Multipath</a:t>
-            </a:r>
-            <a:r>
               <a:rPr lang="de-DE" dirty="0">
                 <a:ln w="9525" cmpd="sng">
                   <a:noFill/>
                 </a:ln>
               </a:rPr>
-              <a:t>-TCP über </a:t>
-            </a:r>
-            <a:r>
-              <a:rPr lang="de-DE" dirty="0" err="1">
-                <a:ln w="9525" cmpd="sng">
-                  <a:noFill/>
-                </a:ln>
-              </a:rPr>
-              <a:t>Socks</a:t>
-            </a:r>
-            <a:r>
-              <a:rPr lang="de-DE" dirty="0">
-                <a:ln w="9525" cmpd="sng">
-                  <a:noFill/>
-                </a:ln>
-              </a:rPr>
-              <a:t>-Proxy</a:t>
+              <a:t>Effizienter Netzzugang mit MPTCP</a:t>
             </a:r>
           </a:p>
         </p:txBody>
